--- a/Proyecto/Presentation/DavidCevallos_Presentation.pptx
+++ b/Proyecto/Presentation/DavidCevallos_Presentation.pptx
@@ -218,7 +218,7 @@
           <a:p>
             <a:fld id="{B0E76714-0028-4C81-BEAE-4B1B4B45A5B0}" type="datetimeFigureOut">
               <a:rPr lang="es-419" smtClean="0"/>
-              <a:t>4/9/2023</a:t>
+              <a:t>5/9/2023</a:t>
             </a:fld>
             <a:endParaRPr lang="es-419"/>
           </a:p>
@@ -725,7 +725,7 @@
           <a:p>
             <a:fld id="{43717626-F901-4350-A353-BE11D1668795}" type="datetimeFigureOut">
               <a:rPr lang="es-419" smtClean="0"/>
-              <a:t>4/9/2023</a:t>
+              <a:t>5/9/2023</a:t>
             </a:fld>
             <a:endParaRPr lang="es-419"/>
           </a:p>
@@ -895,7 +895,7 @@
           <a:p>
             <a:fld id="{43717626-F901-4350-A353-BE11D1668795}" type="datetimeFigureOut">
               <a:rPr lang="es-419" smtClean="0"/>
-              <a:t>4/9/2023</a:t>
+              <a:t>5/9/2023</a:t>
             </a:fld>
             <a:endParaRPr lang="es-419"/>
           </a:p>
@@ -1075,7 +1075,7 @@
           <a:p>
             <a:fld id="{43717626-F901-4350-A353-BE11D1668795}" type="datetimeFigureOut">
               <a:rPr lang="es-419" smtClean="0"/>
-              <a:t>4/9/2023</a:t>
+              <a:t>5/9/2023</a:t>
             </a:fld>
             <a:endParaRPr lang="es-419"/>
           </a:p>
@@ -1245,7 +1245,7 @@
           <a:p>
             <a:fld id="{43717626-F901-4350-A353-BE11D1668795}" type="datetimeFigureOut">
               <a:rPr lang="es-419" smtClean="0"/>
-              <a:t>4/9/2023</a:t>
+              <a:t>5/9/2023</a:t>
             </a:fld>
             <a:endParaRPr lang="es-419"/>
           </a:p>
@@ -1505,7 +1505,7 @@
           <a:p>
             <a:fld id="{43717626-F901-4350-A353-BE11D1668795}" type="datetimeFigureOut">
               <a:rPr lang="es-419" smtClean="0"/>
-              <a:t>4/9/2023</a:t>
+              <a:t>5/9/2023</a:t>
             </a:fld>
             <a:endParaRPr lang="es-419"/>
           </a:p>
@@ -1737,7 +1737,7 @@
           <a:p>
             <a:fld id="{43717626-F901-4350-A353-BE11D1668795}" type="datetimeFigureOut">
               <a:rPr lang="es-419" smtClean="0"/>
-              <a:t>4/9/2023</a:t>
+              <a:t>5/9/2023</a:t>
             </a:fld>
             <a:endParaRPr lang="es-419"/>
           </a:p>
@@ -2092,7 +2092,7 @@
           <a:p>
             <a:fld id="{43717626-F901-4350-A353-BE11D1668795}" type="datetimeFigureOut">
               <a:rPr lang="es-419" smtClean="0"/>
-              <a:t>4/9/2023</a:t>
+              <a:t>5/9/2023</a:t>
             </a:fld>
             <a:endParaRPr lang="es-419"/>
           </a:p>
@@ -2233,7 +2233,7 @@
           <a:p>
             <a:fld id="{43717626-F901-4350-A353-BE11D1668795}" type="datetimeFigureOut">
               <a:rPr lang="es-419" smtClean="0"/>
-              <a:t>4/9/2023</a:t>
+              <a:t>5/9/2023</a:t>
             </a:fld>
             <a:endParaRPr lang="es-419"/>
           </a:p>
@@ -2328,7 +2328,7 @@
           <a:p>
             <a:fld id="{43717626-F901-4350-A353-BE11D1668795}" type="datetimeFigureOut">
               <a:rPr lang="es-419" smtClean="0"/>
-              <a:t>4/9/2023</a:t>
+              <a:t>5/9/2023</a:t>
             </a:fld>
             <a:endParaRPr lang="es-419"/>
           </a:p>
@@ -2685,7 +2685,7 @@
           <a:p>
             <a:fld id="{43717626-F901-4350-A353-BE11D1668795}" type="datetimeFigureOut">
               <a:rPr lang="es-419" smtClean="0"/>
-              <a:t>4/9/2023</a:t>
+              <a:t>5/9/2023</a:t>
             </a:fld>
             <a:endParaRPr lang="es-419"/>
           </a:p>
@@ -3003,7 +3003,7 @@
           <a:p>
             <a:fld id="{43717626-F901-4350-A353-BE11D1668795}" type="datetimeFigureOut">
               <a:rPr lang="es-419" smtClean="0"/>
-              <a:t>4/9/2023</a:t>
+              <a:t>5/9/2023</a:t>
             </a:fld>
             <a:endParaRPr lang="es-419"/>
           </a:p>
@@ -3243,7 +3243,7 @@
           <a:p>
             <a:fld id="{43717626-F901-4350-A353-BE11D1668795}" type="datetimeFigureOut">
               <a:rPr lang="es-419" smtClean="0"/>
-              <a:t>4/9/2023</a:t>
+              <a:t>5/9/2023</a:t>
             </a:fld>
             <a:endParaRPr lang="es-419"/>
           </a:p>
@@ -3770,8 +3770,12 @@
           <a:p>
             <a:pPr algn="ctr"/>
             <a:r>
+              <a:rPr lang="es-419" dirty="0" err="1"/>
+              <a:t>September</a:t>
+            </a:r>
+            <a:r>
               <a:rPr lang="es-419" dirty="0"/>
-              <a:t>August, 2023</a:t>
+              <a:t>, 2023</a:t>
             </a:r>
           </a:p>
         </p:txBody>
